--- a/module-7/abach-module7.2.pptx
+++ b/module-7/abach-module7.2.pptx
@@ -111,6 +111,11 @@
       </a:defRPr>
     </a:lvl9pPr>
   </p:defaultTextStyle>
+  <p:extLst>
+    <p:ext uri="{EFAFB233-063F-42B5-8137-9DF3F51BA10A}">
+      <p15:sldGuideLst xmlns:p15="http://schemas.microsoft.com/office/powerpoint/2012/main"/>
+    </p:ext>
+  </p:extLst>
 </p:presentation>
 </file>
 
@@ -24753,10 +24758,19 @@
           <a:lstStyle/>
           <a:p>
             <a:r>
-              <a:rPr lang="en-US">
+              <a:rPr lang="en-US" dirty="0">
                 <a:hlinkClick r:id="rId3"/>
               </a:rPr>
               <a:t>https://www.pagerduty.com/resources/learn/call-rotations-schedules/</a:t>
+            </a:r>
+            <a:endParaRPr lang="en-US" dirty="0"/>
+          </a:p>
+          <a:p>
+            <a:r>
+              <a:rPr lang="en-US">
+                <a:hlinkClick r:id="rId4"/>
+              </a:rPr>
+              <a:t>https://www.cortex.io/post/best-practices-for-on-call-rotations</a:t>
             </a:r>
             <a:endParaRPr lang="en-US"/>
           </a:p>
